--- a/pdfs/w2/D6_.NET_Normalization.pptx
+++ b/pdfs/w2/D6_.NET_Normalization.pptx
@@ -365,7 +365,7 @@
           <a:p>
             <a:fld id="{9184DA70-C731-4C70-880D-CCD4705E623C}" type="datetime1">
               <a:rPr lang="en-US" smtClean="0"/>
-              <a:t>12/12/2021</a:t>
+              <a:t>12/14/2021</a:t>
             </a:fld>
             <a:endParaRPr lang="en-US" dirty="0"/>
           </a:p>
@@ -553,7 +553,7 @@
           <a:p>
             <a:fld id="{B612A279-0833-481D-8C56-F67FD0AC6C50}" type="datetime1">
               <a:rPr lang="en-US" smtClean="0"/>
-              <a:t>12/12/2021</a:t>
+              <a:t>12/14/2021</a:t>
             </a:fld>
             <a:endParaRPr lang="en-US" dirty="0"/>
           </a:p>
@@ -795,7 +795,7 @@
           <a:p>
             <a:fld id="{6587DA83-5663-4C9C-B9AA-0B40A3DAFF81}" type="datetime1">
               <a:rPr lang="en-US" smtClean="0"/>
-              <a:t>12/12/2021</a:t>
+              <a:t>12/14/2021</a:t>
             </a:fld>
             <a:endParaRPr lang="en-US" dirty="0"/>
           </a:p>
@@ -983,7 +983,7 @@
           <a:p>
             <a:fld id="{4BE1D723-8F53-4F53-90B0-1982A396982E}" type="datetime1">
               <a:rPr lang="en-US" smtClean="0"/>
-              <a:t>12/12/2021</a:t>
+              <a:t>12/14/2021</a:t>
             </a:fld>
             <a:endParaRPr lang="en-US" dirty="0"/>
           </a:p>
@@ -1356,7 +1356,7 @@
           <a:p>
             <a:fld id="{97669AF7-7BEB-44E4-9852-375E34362B5B}" type="datetime1">
               <a:rPr lang="en-US" smtClean="0"/>
-              <a:t>12/12/2021</a:t>
+              <a:t>12/14/2021</a:t>
             </a:fld>
             <a:endParaRPr lang="en-US" dirty="0"/>
           </a:p>
@@ -1611,7 +1611,7 @@
           <a:p>
             <a:fld id="{BAAAC38D-0552-4C82-B593-E6124DFADBE2}" type="datetime1">
               <a:rPr lang="en-US" smtClean="0"/>
-              <a:t>12/12/2021</a:t>
+              <a:t>12/14/2021</a:t>
             </a:fld>
             <a:endParaRPr lang="en-US" dirty="0"/>
           </a:p>
@@ -2008,7 +2008,7 @@
           <a:p>
             <a:fld id="{D9DF0F1C-5577-4ACB-BB62-DF8F3C494C7E}" type="datetime1">
               <a:rPr lang="en-US" smtClean="0"/>
-              <a:t>12/12/2021</a:t>
+              <a:t>12/14/2021</a:t>
             </a:fld>
             <a:endParaRPr lang="en-US" dirty="0"/>
           </a:p>
@@ -2144,7 +2144,7 @@
           <a:p>
             <a:fld id="{1775B394-D9F9-4F0C-B15D-605F45CB9E9F}" type="datetime1">
               <a:rPr lang="en-US" smtClean="0"/>
-              <a:t>12/12/2021</a:t>
+              <a:t>12/14/2021</a:t>
             </a:fld>
             <a:endParaRPr lang="en-US" dirty="0"/>
           </a:p>
@@ -2301,7 +2301,7 @@
           <a:p>
             <a:fld id="{39667345-2558-425A-8533-9BFDBCE15005}" type="datetime1">
               <a:rPr lang="en-US" smtClean="0"/>
-              <a:t>12/12/2021</a:t>
+              <a:t>12/14/2021</a:t>
             </a:fld>
             <a:endParaRPr lang="en-US" dirty="0"/>
           </a:p>
@@ -2630,7 +2630,7 @@
           <a:p>
             <a:fld id="{92BEA474-078D-4E9B-9B14-09A87B19DC46}" type="datetime1">
               <a:rPr lang="en-US" smtClean="0"/>
-              <a:t>12/12/2021</a:t>
+              <a:t>12/14/2021</a:t>
             </a:fld>
             <a:endParaRPr lang="en-US" dirty="0"/>
           </a:p>
@@ -2980,7 +2980,7 @@
           <a:p>
             <a:fld id="{4907D986-8816-4272-A432-0437A28A9828}" type="datetime1">
               <a:rPr lang="en-US" smtClean="0"/>
-              <a:t>12/12/2021</a:t>
+              <a:t>12/14/2021</a:t>
             </a:fld>
             <a:endParaRPr lang="en-US" dirty="0"/>
           </a:p>
@@ -3241,7 +3241,7 @@
           <a:p>
             <a:fld id="{62D6E202-B606-4609-B914-27C9371A1F6D}" type="datetime1">
               <a:rPr lang="en-US" smtClean="0"/>
-              <a:t>12/12/2021</a:t>
+              <a:t>12/14/2021</a:t>
             </a:fld>
             <a:endParaRPr lang="en-US" dirty="0"/>
           </a:p>
@@ -4728,7 +4728,7 @@
                   <a:schemeClr val="tx1"/>
                 </a:solidFill>
               </a:rPr>
-              <a:t>There are many normal forms but </a:t>
+              <a:t>There are many Normal Forms but </a:t>
             </a:r>
             <a:r>
               <a:rPr lang="en-US" sz="2400" b="1" i="1" dirty="0">
@@ -11125,7 +11125,7 @@
                   <a:schemeClr val="tx1"/>
                 </a:solidFill>
               </a:rPr>
-              <a:t>3</a:t>
+              <a:t>To get to 3</a:t>
             </a:r>
             <a:r>
               <a:rPr lang="en-US" sz="2400" b="1" i="1" baseline="30000" dirty="0">
@@ -11267,7 +11267,7 @@
         </p:spPr>
         <p:txBody>
           <a:bodyPr>
-            <a:normAutofit fontScale="90000"/>
+            <a:normAutofit/>
           </a:bodyPr>
           <a:lstStyle/>
           <a:p>
@@ -11277,22 +11277,22 @@
                   <a:schemeClr val="tx1"/>
                 </a:solidFill>
               </a:rPr>
-              <a:t>Add gender column - Databases – Normalization</a:t>
+              <a:t>Databases – Normalization</a:t>
             </a:r>
             <a:br>
               <a:rPr lang="en-US" dirty="0"/>
             </a:br>
             <a:r>
-              <a:rPr lang="en-US" sz="1600" dirty="0">
+              <a:rPr lang="en-US" sz="1400" dirty="0">
                 <a:hlinkClick r:id="rId2"/>
               </a:rPr>
               <a:t>https://www.tutorialspoint.com/dbms/database_normalization.htm</a:t>
             </a:r>
             <a:br>
-              <a:rPr lang="en-US" sz="1600" dirty="0"/>
+              <a:rPr lang="en-US" sz="1400" dirty="0"/>
             </a:br>
             <a:r>
-              <a:rPr lang="en-US" sz="1600" dirty="0">
+              <a:rPr lang="en-US" sz="1400" dirty="0">
                 <a:hlinkClick r:id="rId3"/>
               </a:rPr>
               <a:t>https://www.c-sharpcorner.com/UploadFile/0146e3/database-normalization/</a:t>
@@ -16096,7 +16096,7 @@
           <p:nvPr>
             <p:extLst>
               <p:ext uri="{D42A27DB-BD31-4B8C-83A1-F6EECF244321}">
-                <p14:modId xmlns:p14="http://schemas.microsoft.com/office/powerpoint/2010/main" val="2510498238"/>
+                <p14:modId xmlns:p14="http://schemas.microsoft.com/office/powerpoint/2010/main" val="3228618110"/>
               </p:ext>
             </p:extLst>
           </p:nvPr>
@@ -16437,9 +16437,10 @@
                     <a:lstStyle/>
                     <a:p>
                       <a:r>
-                        <a:rPr lang="en-US" sz="1600" dirty="0"/>
+                        <a:rPr lang="en-US" sz="1600"/>
                         <a:t>Crowley</a:t>
                       </a:r>
+                      <a:endParaRPr lang="en-US" sz="1600" dirty="0"/>
                     </a:p>
                   </a:txBody>
                   <a:tcPr anchor="ctr">
